--- a/03 UML Diagrams [Week 1].pptx
+++ b/03 UML Diagrams [Week 1].pptx
@@ -112,6 +112,11 @@
       </a:defRPr>
     </a:lvl9pPr>
   </p:defaultTextStyle>
+  <p:extLst>
+    <p:ext uri="{EFAFB233-063F-42B5-8137-9DF3F51BA10A}">
+      <p15:sldGuideLst xmlns:p15="http://schemas.microsoft.com/office/powerpoint/2012/main"/>
+    </p:ext>
+  </p:extLst>
 </p:presentation>
 </file>
 
@@ -197,7 +202,7 @@
           <a:p>
             <a:fld id="{F0831F29-1B20-488A-A545-1527EA73E182}" type="datetimeFigureOut">
               <a:rPr lang="en-US" smtClean="0"/>
-              <a:t>5/2/2023</a:t>
+              <a:t>5/19/2023</a:t>
             </a:fld>
             <a:endParaRPr lang="en-US"/>
           </a:p>
@@ -879,7 +884,7 @@
           <a:p>
             <a:fld id="{B4FF7539-4E37-49DB-B908-818C1FD902EC}" type="datetimeFigureOut">
               <a:rPr lang="en-US" smtClean="0"/>
-              <a:t>5/2/2023</a:t>
+              <a:t>5/19/2023</a:t>
             </a:fld>
             <a:endParaRPr lang="en-US"/>
           </a:p>
@@ -1203,7 +1208,7 @@
           <a:p>
             <a:fld id="{B4FF7539-4E37-49DB-B908-818C1FD902EC}" type="datetimeFigureOut">
               <a:rPr lang="en-US" smtClean="0"/>
-              <a:t>5/2/2023</a:t>
+              <a:t>5/19/2023</a:t>
             </a:fld>
             <a:endParaRPr lang="en-US"/>
           </a:p>
@@ -1451,7 +1456,7 @@
           <a:p>
             <a:fld id="{B4FF7539-4E37-49DB-B908-818C1FD902EC}" type="datetimeFigureOut">
               <a:rPr lang="en-US" smtClean="0"/>
-              <a:t>5/2/2023</a:t>
+              <a:t>5/19/2023</a:t>
             </a:fld>
             <a:endParaRPr lang="en-US"/>
           </a:p>
@@ -1790,7 +1795,7 @@
           <a:p>
             <a:fld id="{B4FF7539-4E37-49DB-B908-818C1FD902EC}" type="datetimeFigureOut">
               <a:rPr lang="en-US" smtClean="0"/>
-              <a:t>5/2/2023</a:t>
+              <a:t>5/19/2023</a:t>
             </a:fld>
             <a:endParaRPr lang="en-US"/>
           </a:p>
@@ -2137,7 +2142,7 @@
           <a:p>
             <a:fld id="{B4FF7539-4E37-49DB-B908-818C1FD902EC}" type="datetimeFigureOut">
               <a:rPr lang="en-US" smtClean="0"/>
-              <a:t>5/2/2023</a:t>
+              <a:t>5/19/2023</a:t>
             </a:fld>
             <a:endParaRPr lang="en-US"/>
           </a:p>
@@ -2511,7 +2516,7 @@
           <a:p>
             <a:fld id="{B4FF7539-4E37-49DB-B908-818C1FD902EC}" type="datetimeFigureOut">
               <a:rPr lang="en-US" smtClean="0"/>
-              <a:t>5/2/2023</a:t>
+              <a:t>5/19/2023</a:t>
             </a:fld>
             <a:endParaRPr lang="en-US"/>
           </a:p>
@@ -2981,7 +2986,7 @@
           <a:p>
             <a:fld id="{B4FF7539-4E37-49DB-B908-818C1FD902EC}" type="datetimeFigureOut">
               <a:rPr lang="en-US" smtClean="0"/>
-              <a:t>5/2/2023</a:t>
+              <a:t>5/19/2023</a:t>
             </a:fld>
             <a:endParaRPr lang="en-US"/>
           </a:p>
@@ -3186,7 +3191,7 @@
           <a:p>
             <a:fld id="{B4FF7539-4E37-49DB-B908-818C1FD902EC}" type="datetimeFigureOut">
               <a:rPr lang="en-US" smtClean="0"/>
-              <a:t>5/2/2023</a:t>
+              <a:t>5/19/2023</a:t>
             </a:fld>
             <a:endParaRPr lang="en-US"/>
           </a:p>
@@ -3397,7 +3402,7 @@
           <a:p>
             <a:fld id="{B4FF7539-4E37-49DB-B908-818C1FD902EC}" type="datetimeFigureOut">
               <a:rPr lang="en-US" smtClean="0"/>
-              <a:t>5/2/2023</a:t>
+              <a:t>5/19/2023</a:t>
             </a:fld>
             <a:endParaRPr lang="en-US"/>
           </a:p>
@@ -3629,7 +3634,7 @@
           <a:p>
             <a:fld id="{B4FF7539-4E37-49DB-B908-818C1FD902EC}" type="datetimeFigureOut">
               <a:rPr lang="en-US" smtClean="0"/>
-              <a:t>5/2/2023</a:t>
+              <a:t>5/19/2023</a:t>
             </a:fld>
             <a:endParaRPr lang="en-US"/>
           </a:p>
@@ -3877,7 +3882,7 @@
           <a:p>
             <a:fld id="{B4FF7539-4E37-49DB-B908-818C1FD902EC}" type="datetimeFigureOut">
               <a:rPr lang="en-US" smtClean="0"/>
-              <a:t>5/2/2023</a:t>
+              <a:t>5/19/2023</a:t>
             </a:fld>
             <a:endParaRPr lang="en-US"/>
           </a:p>
@@ -4175,7 +4180,7 @@
           <a:p>
             <a:fld id="{B4FF7539-4E37-49DB-B908-818C1FD902EC}" type="datetimeFigureOut">
               <a:rPr lang="en-US" smtClean="0"/>
-              <a:t>5/2/2023</a:t>
+              <a:t>5/19/2023</a:t>
             </a:fld>
             <a:endParaRPr lang="en-US"/>
           </a:p>
@@ -4569,7 +4574,7 @@
           <a:p>
             <a:fld id="{B4FF7539-4E37-49DB-B908-818C1FD902EC}" type="datetimeFigureOut">
               <a:rPr lang="en-US" smtClean="0"/>
-              <a:t>5/2/2023</a:t>
+              <a:t>5/19/2023</a:t>
             </a:fld>
             <a:endParaRPr lang="en-US"/>
           </a:p>
@@ -4718,7 +4723,7 @@
           <a:p>
             <a:fld id="{B4FF7539-4E37-49DB-B908-818C1FD902EC}" type="datetimeFigureOut">
               <a:rPr lang="en-US" smtClean="0"/>
-              <a:t>5/2/2023</a:t>
+              <a:t>5/19/2023</a:t>
             </a:fld>
             <a:endParaRPr lang="en-US"/>
           </a:p>
@@ -4844,7 +4849,7 @@
           <a:p>
             <a:fld id="{B4FF7539-4E37-49DB-B908-818C1FD902EC}" type="datetimeFigureOut">
               <a:rPr lang="en-US" smtClean="0"/>
-              <a:t>5/2/2023</a:t>
+              <a:t>5/19/2023</a:t>
             </a:fld>
             <a:endParaRPr lang="en-US"/>
           </a:p>
@@ -5099,7 +5104,7 @@
           <a:p>
             <a:fld id="{B4FF7539-4E37-49DB-B908-818C1FD902EC}" type="datetimeFigureOut">
               <a:rPr lang="en-US" smtClean="0"/>
-              <a:t>5/2/2023</a:t>
+              <a:t>5/19/2023</a:t>
             </a:fld>
             <a:endParaRPr lang="en-US"/>
           </a:p>
@@ -5414,7 +5419,7 @@
           <a:p>
             <a:fld id="{B4FF7539-4E37-49DB-B908-818C1FD902EC}" type="datetimeFigureOut">
               <a:rPr lang="en-US" smtClean="0"/>
-              <a:t>5/2/2023</a:t>
+              <a:t>5/19/2023</a:t>
             </a:fld>
             <a:endParaRPr lang="en-US"/>
           </a:p>
@@ -5765,7 +5770,7 @@
           <a:p>
             <a:fld id="{B4FF7539-4E37-49DB-B908-818C1FD902EC}" type="datetimeFigureOut">
               <a:rPr lang="en-US" smtClean="0"/>
-              <a:t>5/2/2023</a:t>
+              <a:t>5/19/2023</a:t>
             </a:fld>
             <a:endParaRPr lang="en-US"/>
           </a:p>
@@ -6324,7 +6329,12 @@
             <p:ph type="ctrTitle"/>
           </p:nvPr>
         </p:nvSpPr>
-        <p:spPr/>
+        <p:spPr>
+          <a:xfrm>
+            <a:off x="2804939" y="2623628"/>
+            <a:ext cx="6815669" cy="1515533"/>
+          </a:xfrm>
+        </p:spPr>
         <p:txBody>
           <a:bodyPr>
             <a:noAutofit/>
@@ -6396,7 +6406,12 @@
             <p:ph type="subTitle" idx="1"/>
           </p:nvPr>
         </p:nvSpPr>
-        <p:spPr/>
+        <p:spPr>
+          <a:xfrm>
+            <a:off x="2804940" y="4234372"/>
+            <a:ext cx="6815669" cy="1320802"/>
+          </a:xfrm>
+        </p:spPr>
         <p:txBody>
           <a:bodyPr>
             <a:normAutofit fontScale="55000" lnSpcReduction="20000"/>
